--- a/FirstPlayer.pptx
+++ b/FirstPlayer.pptx
@@ -210,7 +210,7 @@
           <a:p>
             <a:fld id="{AB92D01E-3E26-4C69-9358-410D1B4A9453}" type="datetimeFigureOut">
               <a:rPr lang="ru-RU" smtClean="0"/>
-              <a:t>20.12.2023</a:t>
+              <a:t>21.12.2023</a:t>
             </a:fld>
             <a:endParaRPr lang="ru-RU"/>
           </a:p>
@@ -792,7 +792,7 @@
           <a:p>
             <a:fld id="{733E868D-C776-4BF0-8A4A-7DE503164BEB}" type="datetimeFigureOut">
               <a:rPr lang="ru-RU" smtClean="0"/>
-              <a:t>20.12.2023</a:t>
+              <a:t>21.12.2023</a:t>
             </a:fld>
             <a:endParaRPr lang="ru-RU"/>
           </a:p>
@@ -990,7 +990,7 @@
           <a:p>
             <a:fld id="{733E868D-C776-4BF0-8A4A-7DE503164BEB}" type="datetimeFigureOut">
               <a:rPr lang="ru-RU" smtClean="0"/>
-              <a:t>20.12.2023</a:t>
+              <a:t>21.12.2023</a:t>
             </a:fld>
             <a:endParaRPr lang="ru-RU"/>
           </a:p>
@@ -1198,7 +1198,7 @@
           <a:p>
             <a:fld id="{733E868D-C776-4BF0-8A4A-7DE503164BEB}" type="datetimeFigureOut">
               <a:rPr lang="ru-RU" smtClean="0"/>
-              <a:t>20.12.2023</a:t>
+              <a:t>21.12.2023</a:t>
             </a:fld>
             <a:endParaRPr lang="ru-RU"/>
           </a:p>
@@ -1396,7 +1396,7 @@
           <a:p>
             <a:fld id="{733E868D-C776-4BF0-8A4A-7DE503164BEB}" type="datetimeFigureOut">
               <a:rPr lang="ru-RU" smtClean="0"/>
-              <a:t>20.12.2023</a:t>
+              <a:t>21.12.2023</a:t>
             </a:fld>
             <a:endParaRPr lang="ru-RU"/>
           </a:p>
@@ -1671,7 +1671,7 @@
           <a:p>
             <a:fld id="{733E868D-C776-4BF0-8A4A-7DE503164BEB}" type="datetimeFigureOut">
               <a:rPr lang="ru-RU" smtClean="0"/>
-              <a:t>20.12.2023</a:t>
+              <a:t>21.12.2023</a:t>
             </a:fld>
             <a:endParaRPr lang="ru-RU"/>
           </a:p>
@@ -1936,7 +1936,7 @@
           <a:p>
             <a:fld id="{733E868D-C776-4BF0-8A4A-7DE503164BEB}" type="datetimeFigureOut">
               <a:rPr lang="ru-RU" smtClean="0"/>
-              <a:t>20.12.2023</a:t>
+              <a:t>21.12.2023</a:t>
             </a:fld>
             <a:endParaRPr lang="ru-RU"/>
           </a:p>
@@ -2348,7 +2348,7 @@
           <a:p>
             <a:fld id="{733E868D-C776-4BF0-8A4A-7DE503164BEB}" type="datetimeFigureOut">
               <a:rPr lang="ru-RU" smtClean="0"/>
-              <a:t>20.12.2023</a:t>
+              <a:t>21.12.2023</a:t>
             </a:fld>
             <a:endParaRPr lang="ru-RU"/>
           </a:p>
@@ -2489,7 +2489,7 @@
           <a:p>
             <a:fld id="{733E868D-C776-4BF0-8A4A-7DE503164BEB}" type="datetimeFigureOut">
               <a:rPr lang="ru-RU" smtClean="0"/>
-              <a:t>20.12.2023</a:t>
+              <a:t>21.12.2023</a:t>
             </a:fld>
             <a:endParaRPr lang="ru-RU"/>
           </a:p>
@@ -2602,7 +2602,7 @@
           <a:p>
             <a:fld id="{733E868D-C776-4BF0-8A4A-7DE503164BEB}" type="datetimeFigureOut">
               <a:rPr lang="ru-RU" smtClean="0"/>
-              <a:t>20.12.2023</a:t>
+              <a:t>21.12.2023</a:t>
             </a:fld>
             <a:endParaRPr lang="ru-RU"/>
           </a:p>
@@ -2913,7 +2913,7 @@
           <a:p>
             <a:fld id="{733E868D-C776-4BF0-8A4A-7DE503164BEB}" type="datetimeFigureOut">
               <a:rPr lang="ru-RU" smtClean="0"/>
-              <a:t>20.12.2023</a:t>
+              <a:t>21.12.2023</a:t>
             </a:fld>
             <a:endParaRPr lang="ru-RU"/>
           </a:p>
@@ -3201,7 +3201,7 @@
           <a:p>
             <a:fld id="{733E868D-C776-4BF0-8A4A-7DE503164BEB}" type="datetimeFigureOut">
               <a:rPr lang="ru-RU" smtClean="0"/>
-              <a:t>20.12.2023</a:t>
+              <a:t>21.12.2023</a:t>
             </a:fld>
             <a:endParaRPr lang="ru-RU"/>
           </a:p>
@@ -3442,7 +3442,7 @@
           <a:p>
             <a:fld id="{733E868D-C776-4BF0-8A4A-7DE503164BEB}" type="datetimeFigureOut">
               <a:rPr lang="ru-RU" smtClean="0"/>
-              <a:t>20.12.2023</a:t>
+              <a:t>21.12.2023</a:t>
             </a:fld>
             <a:endParaRPr lang="ru-RU"/>
           </a:p>
@@ -4045,7 +4045,7 @@
           <a:bodyPr/>
           <a:lstStyle/>
           <a:p>
-            <a:endParaRPr lang="ru-RU"/>
+            <a:endParaRPr lang="ru-RU" dirty="0"/>
           </a:p>
         </p:txBody>
       </p:sp>
@@ -4258,7 +4258,21 @@
                 <a:latin typeface="Times New Roman" panose="02020603050405020304" pitchFamily="18" charset="0"/>
                 <a:cs typeface="Times New Roman" panose="02020603050405020304" pitchFamily="18" charset="0"/>
               </a:rPr>
-              <a:t>Android 7 </a:t>
+              <a:t>Android 7</a:t>
+            </a:r>
+            <a:r>
+              <a:rPr lang="ru-RU" dirty="0">
+                <a:latin typeface="Times New Roman" panose="02020603050405020304" pitchFamily="18" charset="0"/>
+                <a:cs typeface="Times New Roman" panose="02020603050405020304" pitchFamily="18" charset="0"/>
+              </a:rPr>
+              <a:t> и выше</a:t>
+            </a:r>
+            <a:r>
+              <a:rPr lang="en-US" dirty="0">
+                <a:latin typeface="Times New Roman" panose="02020603050405020304" pitchFamily="18" charset="0"/>
+                <a:cs typeface="Times New Roman" panose="02020603050405020304" pitchFamily="18" charset="0"/>
+              </a:rPr>
+              <a:t> </a:t>
             </a:r>
             <a:r>
               <a:rPr lang="ru-RU" dirty="0">
@@ -4391,14 +4405,7 @@
                 <a:latin typeface="Times New Roman" panose="02020603050405020304" pitchFamily="18" charset="0"/>
                 <a:cs typeface="Times New Roman" panose="02020603050405020304" pitchFamily="18" charset="0"/>
               </a:rPr>
-              <a:t>JavaScript - </a:t>
-            </a:r>
-            <a:r>
-              <a:rPr lang="en-US" dirty="0" err="1">
-                <a:latin typeface="Times New Roman" panose="02020603050405020304" pitchFamily="18" charset="0"/>
-                <a:cs typeface="Times New Roman" panose="02020603050405020304" pitchFamily="18" charset="0"/>
-              </a:rPr>
-              <a:t>Jquery</a:t>
+              <a:t>JavaScript – React JS</a:t>
             </a:r>
             <a:endParaRPr lang="ru-RU" dirty="0">
               <a:latin typeface="Times New Roman" panose="02020603050405020304" pitchFamily="18" charset="0"/>
@@ -4694,7 +4701,7 @@
                 <a:latin typeface="Times New Roman" panose="02020603050405020304" pitchFamily="18" charset="0"/>
                 <a:cs typeface="Times New Roman" panose="02020603050405020304" pitchFamily="18" charset="0"/>
               </a:rPr>
-              <a:t>Работа делилась на 5 этапов</a:t>
+              <a:t>Работа была разделена на 5 этапов</a:t>
             </a:r>
             <a:r>
               <a:rPr lang="en-US" dirty="0">
@@ -6507,7 +6514,7 @@
                 <a:latin typeface="Times New Roman" panose="02020603050405020304" pitchFamily="18" charset="0"/>
                 <a:cs typeface="Times New Roman" panose="02020603050405020304" pitchFamily="18" charset="0"/>
               </a:rPr>
-              <a:t>«</a:t>
+              <a:t>Платформа «</a:t>
             </a:r>
             <a:r>
               <a:rPr lang="en-US" sz="3200" dirty="0" err="1">
@@ -6521,7 +6528,7 @@
                 <a:latin typeface="Times New Roman" panose="02020603050405020304" pitchFamily="18" charset="0"/>
                 <a:cs typeface="Times New Roman" panose="02020603050405020304" pitchFamily="18" charset="0"/>
               </a:rPr>
-              <a:t>» предназначен для обмена опытом в области компьютерных игр, так является отличным местом для получения какой-либо информации или решения каких-то дискуссионных проблем.</a:t>
+              <a:t>» предназначен для обмена опытом в области компьютерных игр, и является отличным местом для получения информации или решения дискуссионных проблем в сфере компьютерных игр.</a:t>
             </a:r>
           </a:p>
         </p:txBody>
@@ -6631,7 +6638,7 @@
                 <a:latin typeface="Times New Roman" panose="02020603050405020304" pitchFamily="18" charset="0"/>
                 <a:cs typeface="Times New Roman" panose="02020603050405020304" pitchFamily="18" charset="0"/>
               </a:rPr>
-              <a:t>Геймерский досуг представляет собой важную часть всего гейминга, будь то общение, обмен опытом. Тем самым наш проект будет актуален пока жив гейминг</a:t>
+              <a:t>Геймерский досуг представляет собой важную часть всего гейминга, будь то общение, обмен опытом. Тем самым наш проект будет актуален пока жив гейминг.</a:t>
             </a:r>
             <a:endParaRPr lang="ru-RU" sz="4800" dirty="0">
               <a:latin typeface="Times New Roman" panose="02020603050405020304" pitchFamily="18" charset="0"/>
@@ -6746,7 +6753,7 @@
                 <a:latin typeface="Times New Roman" panose="02020603050405020304" pitchFamily="18" charset="0"/>
                 <a:cs typeface="Times New Roman" panose="02020603050405020304" pitchFamily="18" charset="0"/>
               </a:rPr>
-              <a:t>Пример приложения</a:t>
+              <a:t>Вид приложения</a:t>
             </a:r>
             <a:r>
               <a:rPr lang="en-US" dirty="0">
@@ -7057,7 +7064,7 @@
                 <a:latin typeface="Times New Roman" panose="02020603050405020304" pitchFamily="18" charset="0"/>
                 <a:cs typeface="Times New Roman" panose="02020603050405020304" pitchFamily="18" charset="0"/>
               </a:rPr>
-              <a:t>Пример приложения</a:t>
+              <a:t>Вид приложения 2</a:t>
             </a:r>
             <a:r>
               <a:rPr lang="en-US" dirty="0">
@@ -7333,7 +7340,7 @@
                 <a:latin typeface="Times New Roman" panose="02020603050405020304" pitchFamily="18" charset="0"/>
                 <a:cs typeface="Times New Roman" panose="02020603050405020304" pitchFamily="18" charset="0"/>
               </a:rPr>
-              <a:t>Пример приложения</a:t>
+              <a:t>Вид приложения 3</a:t>
             </a:r>
             <a:r>
               <a:rPr lang="en-US" dirty="0">
@@ -8108,7 +8115,9 @@
         </p:nvSpPr>
         <p:spPr/>
         <p:txBody>
-          <a:bodyPr/>
+          <a:bodyPr>
+            <a:normAutofit fontScale="92500" lnSpcReduction="10000"/>
+          </a:bodyPr>
           <a:lstStyle/>
           <a:p>
             <a:r>
@@ -8137,7 +8146,7 @@
                 <a:latin typeface="Times New Roman" panose="02020603050405020304" pitchFamily="18" charset="0"/>
                 <a:cs typeface="Times New Roman" panose="02020603050405020304" pitchFamily="18" charset="0"/>
               </a:rPr>
-              <a:t>регистрации</a:t>
+              <a:t>Регистрации</a:t>
             </a:r>
           </a:p>
           <a:p>
@@ -8147,7 +8156,7 @@
                 <a:latin typeface="Times New Roman" panose="02020603050405020304" pitchFamily="18" charset="0"/>
                 <a:cs typeface="Times New Roman" panose="02020603050405020304" pitchFamily="18" charset="0"/>
               </a:rPr>
-              <a:t> личный кабинет</a:t>
+              <a:t>Входа</a:t>
             </a:r>
           </a:p>
           <a:p>
@@ -8157,7 +8166,7 @@
                 <a:latin typeface="Times New Roman" panose="02020603050405020304" pitchFamily="18" charset="0"/>
                 <a:cs typeface="Times New Roman" panose="02020603050405020304" pitchFamily="18" charset="0"/>
               </a:rPr>
-              <a:t> посты</a:t>
+              <a:t> Персональных данных</a:t>
             </a:r>
           </a:p>
           <a:p>
@@ -8167,15 +8176,45 @@
                 <a:latin typeface="Times New Roman" panose="02020603050405020304" pitchFamily="18" charset="0"/>
                 <a:cs typeface="Times New Roman" panose="02020603050405020304" pitchFamily="18" charset="0"/>
               </a:rPr>
-              <a:t> комментарии</a:t>
-            </a:r>
-          </a:p>
-          <a:p>
+              <a:t>Постов</a:t>
+            </a:r>
+          </a:p>
+          <a:p>
+            <a:pPr lvl="1"/>
             <a:r>
               <a:rPr lang="ru-RU" dirty="0">
                 <a:latin typeface="Times New Roman" panose="02020603050405020304" pitchFamily="18" charset="0"/>
                 <a:cs typeface="Times New Roman" panose="02020603050405020304" pitchFamily="18" charset="0"/>
               </a:rPr>
+              <a:t>Комментариев</a:t>
+            </a:r>
+          </a:p>
+          <a:p>
+            <a:pPr lvl="1"/>
+            <a:r>
+              <a:rPr lang="ru-RU" dirty="0">
+                <a:latin typeface="Times New Roman" panose="02020603050405020304" pitchFamily="18" charset="0"/>
+                <a:cs typeface="Times New Roman" panose="02020603050405020304" pitchFamily="18" charset="0"/>
+              </a:rPr>
+              <a:t>Создания постов</a:t>
+            </a:r>
+          </a:p>
+          <a:p>
+            <a:pPr lvl="1"/>
+            <a:r>
+              <a:rPr lang="ru-RU" dirty="0">
+                <a:latin typeface="Times New Roman" panose="02020603050405020304" pitchFamily="18" charset="0"/>
+                <a:cs typeface="Times New Roman" panose="02020603050405020304" pitchFamily="18" charset="0"/>
+              </a:rPr>
+              <a:t>Информации о платформе</a:t>
+            </a:r>
+          </a:p>
+          <a:p>
+            <a:r>
+              <a:rPr lang="ru-RU" dirty="0">
+                <a:latin typeface="Times New Roman" panose="02020603050405020304" pitchFamily="18" charset="0"/>
+                <a:cs typeface="Times New Roman" panose="02020603050405020304" pitchFamily="18" charset="0"/>
+              </a:rPr>
               <a:t>Возможность работы с данными</a:t>
             </a:r>
             <a:r>
@@ -8190,7 +8229,7 @@
                 <a:latin typeface="Times New Roman" panose="02020603050405020304" pitchFamily="18" charset="0"/>
                 <a:cs typeface="Times New Roman" panose="02020603050405020304" pitchFamily="18" charset="0"/>
               </a:rPr>
-              <a:t> создание, редактирование и хранение информации в постах и обсуждениях.</a:t>
+              <a:t> создание, редактирование и хранение информации в постах, комментариях, пользователях.</a:t>
             </a:r>
           </a:p>
           <a:p>
@@ -8199,7 +8238,7 @@
                 <a:latin typeface="Times New Roman" panose="02020603050405020304" pitchFamily="18" charset="0"/>
                 <a:cs typeface="Times New Roman" panose="02020603050405020304" pitchFamily="18" charset="0"/>
               </a:rPr>
-              <a:t>Адаптивность(поддержка работы на различных устройствах от компьютеров до мобильных телефонов и планшетов.</a:t>
+              <a:t>Адаптивность - поддержка работы на различных устройствах от компьютеров до мобильных телефонов и планшетов.</a:t>
             </a:r>
           </a:p>
         </p:txBody>
